--- a/Projet_machine_learning_2_ISE2_groupe6.pptx
+++ b/Projet_machine_learning_2_ISE2_groupe6.pptx
@@ -6230,7 +6230,7 @@
           <a:lstStyle/>
           <a:p>
             <a:r>
-              <a:rPr lang="fr-FR" dirty="0" smtClean="0">
+              <a:rPr lang="fr-FR" dirty="0">
                 <a:solidFill>
                   <a:srgbClr val="92D050"/>
                 </a:solidFill>
@@ -6244,7 +6244,7 @@
               <a:buChar char="q"/>
             </a:pPr>
             <a:r>
-              <a:rPr lang="fr-FR" dirty="0" smtClean="0">
+              <a:rPr lang="fr-FR" dirty="0">
                 <a:solidFill>
                   <a:srgbClr val="92D050"/>
                 </a:solidFill>
@@ -6252,7 +6252,7 @@
               <a:t>Eben-</a:t>
             </a:r>
             <a:r>
-              <a:rPr lang="fr-FR" dirty="0" err="1" smtClean="0">
+              <a:rPr lang="fr-FR" dirty="0" err="1">
                 <a:solidFill>
                   <a:srgbClr val="92D050"/>
                 </a:solidFill>
@@ -6260,7 +6260,7 @@
               <a:t>ezer</a:t>
             </a:r>
             <a:r>
-              <a:rPr lang="fr-FR" dirty="0" smtClean="0">
+              <a:rPr lang="fr-FR" dirty="0">
                 <a:solidFill>
                   <a:srgbClr val="92D050"/>
                 </a:solidFill>
@@ -6274,7 +6274,7 @@
               <a:buChar char="q"/>
             </a:pPr>
             <a:r>
-              <a:rPr lang="fr-FR" dirty="0" smtClean="0">
+              <a:rPr lang="fr-FR" dirty="0">
                 <a:solidFill>
                   <a:srgbClr val="92D050"/>
                 </a:solidFill>
@@ -6282,7 +6282,7 @@
               <a:t>Yatoute </a:t>
             </a:r>
             <a:r>
-              <a:rPr lang="fr-FR" dirty="0" err="1" smtClean="0">
+              <a:rPr lang="fr-FR" dirty="0" err="1">
                 <a:solidFill>
                   <a:srgbClr val="92D050"/>
                 </a:solidFill>
@@ -6290,7 +6290,7 @@
               <a:t>Mintoama</a:t>
             </a:r>
             <a:r>
-              <a:rPr lang="fr-FR" dirty="0" smtClean="0">
+              <a:rPr lang="fr-FR" dirty="0">
                 <a:solidFill>
                   <a:srgbClr val="92D050"/>
                 </a:solidFill>
@@ -6304,33 +6304,23 @@
               <a:buChar char="q"/>
             </a:pPr>
             <a:r>
-              <a:rPr lang="fr-FR" dirty="0" smtClean="0">
+              <a:rPr lang="fr-FR" dirty="0">
                 <a:solidFill>
                   <a:srgbClr val="92D050"/>
                 </a:solidFill>
               </a:rPr>
               <a:t>Ibrahim GNING </a:t>
             </a:r>
-            <a:endParaRPr lang="fr-FR" dirty="0">
-              <a:solidFill>
-                <a:srgbClr val="92D050"/>
-              </a:solidFill>
-            </a:endParaRPr>
-          </a:p>
-          <a:p>
-            <a:r>
-              <a:rPr lang="fr-FR" dirty="0" smtClean="0">
+          </a:p>
+          <a:p>
+            <a:r>
+              <a:rPr lang="fr-FR" dirty="0">
                 <a:solidFill>
                   <a:srgbClr val="92D050"/>
                 </a:solidFill>
               </a:rPr>
               <a:t>Elèves ingénieurs statisticiens économistes </a:t>
             </a:r>
-            <a:endParaRPr lang="fr-FR" dirty="0">
-              <a:solidFill>
-                <a:srgbClr val="92D050"/>
-              </a:solidFill>
-            </a:endParaRPr>
           </a:p>
         </p:txBody>
       </p:sp>
@@ -6379,13 +6369,6 @@
               </a:rPr>
               <a:t>Mme. DIAW</a:t>
             </a:r>
-            <a:endParaRPr lang="fr-FR" altLang="en-US" b="1" dirty="0">
-              <a:solidFill>
-                <a:srgbClr val="92D050"/>
-              </a:solidFill>
-              <a:latin typeface="Book Antiqua" panose="02040602050305030304" pitchFamily="18" charset="0"/>
-              <a:cs typeface="Calibri" panose="020F0502020204030204" charset="0"/>
-            </a:endParaRPr>
           </a:p>
         </p:txBody>
       </p:sp>
@@ -6441,7 +6424,7 @@
           <p:cNvPr id="6" name="Image 5">
             <a:extLst>
               <a:ext uri="{FF2B5EF4-FFF2-40B4-BE49-F238E27FC236}">
-                <a16:creationId xmlns="" xmlns:a16="http://schemas.microsoft.com/office/drawing/2014/main" xmlns:lc="http://schemas.openxmlformats.org/drawingml/2006/lockedCanvas" id="{DDAA8FCB-6138-4839-61B2-51B0930EBB87}"/>
+                <a16:creationId xmlns:a16="http://schemas.microsoft.com/office/drawing/2014/main" id="{DDAA8FCB-6138-4839-61B2-51B0930EBB87}"/>
               </a:ext>
             </a:extLst>
           </p:cNvPr>
@@ -6811,6 +6794,105 @@
               </a:rPr>
               <a:t>Déploiement </a:t>
             </a:r>
+          </a:p>
+        </p:txBody>
+      </p:sp>
+      <p:sp>
+        <p:nvSpPr>
+          <p:cNvPr id="3" name="ZoneTexte 2">
+            <a:extLst>
+              <a:ext uri="{FF2B5EF4-FFF2-40B4-BE49-F238E27FC236}">
+                <a16:creationId xmlns:a16="http://schemas.microsoft.com/office/drawing/2014/main" id="{5946E913-23BE-4466-865B-F34979693287}"/>
+              </a:ext>
+            </a:extLst>
+          </p:cNvPr>
+          <p:cNvSpPr txBox="1"/>
+          <p:nvPr/>
+        </p:nvSpPr>
+        <p:spPr>
+          <a:xfrm>
+            <a:off x="1115616" y="2644170"/>
+            <a:ext cx="6696100" cy="1569660"/>
+          </a:xfrm>
+          <a:prstGeom prst="rect">
+            <a:avLst/>
+          </a:prstGeom>
+          <a:noFill/>
+        </p:spPr>
+        <p:txBody>
+          <a:bodyPr wrap="square" rtlCol="0">
+            <a:spAutoFit/>
+          </a:bodyPr>
+          <a:lstStyle/>
+          <a:p>
+            <a:pPr algn="just"/>
+            <a:r>
+              <a:rPr lang="fr-FR" sz="3200" dirty="0">
+                <a:solidFill>
+                  <a:schemeClr val="bg1"/>
+                </a:solidFill>
+                <a:latin typeface="Times New Roman" panose="02020603050405020304" pitchFamily="18" charset="0"/>
+                <a:cs typeface="Times New Roman" panose="02020603050405020304" pitchFamily="18" charset="0"/>
+              </a:rPr>
+              <a:t>Le modèle de </a:t>
+            </a:r>
+            <a:r>
+              <a:rPr lang="fr-FR" sz="3200" dirty="0" err="1">
+                <a:solidFill>
+                  <a:schemeClr val="bg1"/>
+                </a:solidFill>
+                <a:latin typeface="Times New Roman" panose="02020603050405020304" pitchFamily="18" charset="0"/>
+                <a:cs typeface="Times New Roman" panose="02020603050405020304" pitchFamily="18" charset="0"/>
+              </a:rPr>
+              <a:t>deep</a:t>
+            </a:r>
+            <a:r>
+              <a:rPr lang="fr-FR" sz="3200" dirty="0">
+                <a:solidFill>
+                  <a:schemeClr val="bg1"/>
+                </a:solidFill>
+                <a:latin typeface="Times New Roman" panose="02020603050405020304" pitchFamily="18" charset="0"/>
+                <a:cs typeface="Times New Roman" panose="02020603050405020304" pitchFamily="18" charset="0"/>
+              </a:rPr>
+              <a:t> </a:t>
+            </a:r>
+            <a:r>
+              <a:rPr lang="fr-FR" sz="3200" dirty="0" err="1">
+                <a:solidFill>
+                  <a:schemeClr val="bg1"/>
+                </a:solidFill>
+                <a:latin typeface="Times New Roman" panose="02020603050405020304" pitchFamily="18" charset="0"/>
+                <a:cs typeface="Times New Roman" panose="02020603050405020304" pitchFamily="18" charset="0"/>
+              </a:rPr>
+              <a:t>learning</a:t>
+            </a:r>
+            <a:r>
+              <a:rPr lang="fr-FR" sz="3200" dirty="0">
+                <a:solidFill>
+                  <a:schemeClr val="bg1"/>
+                </a:solidFill>
+                <a:latin typeface="Times New Roman" panose="02020603050405020304" pitchFamily="18" charset="0"/>
+                <a:cs typeface="Times New Roman" panose="02020603050405020304" pitchFamily="18" charset="0"/>
+              </a:rPr>
+              <a:t>  est mis en production avec Django et déployé sur </a:t>
+            </a:r>
+            <a:r>
+              <a:rPr lang="fr-FR" sz="3200" dirty="0" err="1">
+                <a:solidFill>
+                  <a:schemeClr val="bg1"/>
+                </a:solidFill>
+                <a:latin typeface="Times New Roman" panose="02020603050405020304" pitchFamily="18" charset="0"/>
+                <a:cs typeface="Times New Roman" panose="02020603050405020304" pitchFamily="18" charset="0"/>
+              </a:rPr>
+              <a:t>PythonAnywhere</a:t>
+            </a:r>
+            <a:endParaRPr lang="fr-FR" sz="3200" dirty="0">
+              <a:solidFill>
+                <a:schemeClr val="bg1"/>
+              </a:solidFill>
+              <a:latin typeface="Times New Roman" panose="02020603050405020304" pitchFamily="18" charset="0"/>
+              <a:cs typeface="Times New Roman" panose="02020603050405020304" pitchFamily="18" charset="0"/>
+            </a:endParaRPr>
           </a:p>
         </p:txBody>
       </p:sp>
@@ -8128,7 +8210,7 @@
                 <a:latin typeface="Times New Roman" panose="02020603050405020304" pitchFamily="18" charset="0"/>
                 <a:cs typeface="Times New Roman" panose="02020603050405020304" pitchFamily="18" charset="0"/>
               </a:rPr>
-              <a:t>Définition d’une fonction de prétraitement qui redimensionne les images pour que la longueur soit égale à la largeur ( Yatoute complète la raison) et qui prétraite les images redimensionnées avec </a:t>
+              <a:t>Définition d’une fonction de prétraitement qui redimensionne les images au format (224, 224, 3) et qui prétraite les images redimensionnées avec </a:t>
             </a:r>
             <a:r>
               <a:rPr lang="fr-FR" sz="1600" kern="0" dirty="0" err="1">
